--- a/Terraform - Brief.pptx
+++ b/Terraform - Brief.pptx
@@ -123,7 +123,7 @@
   </p:defaultTextStyle>
   <p:extLst>
     <p:ext uri="{EFAFB233-063F-42B5-8137-9DF3F51BA10A}">
-      <p15:sldGuideLst xmlns:p15="http://schemas.microsoft.com/office/powerpoint/2012/main">
+      <p15:sldGuideLst xmlns:p15="http://schemas.microsoft.com/office/powerpoint/2012/main" xmlns="">
         <p15:guide id="1" orient="horz" pos="2160">
           <p15:clr>
             <a:srgbClr val="A4A3A4"/>
@@ -143,11 +143,7 @@
 <file path=ppt/commentAuthors.xml><?xml version="1.0" encoding="utf-8"?>
 <p:cmAuthorLst xmlns:a="http://schemas.openxmlformats.org/drawingml/2006/main" xmlns:r="http://schemas.openxmlformats.org/officeDocument/2006/relationships" xmlns:p="http://schemas.openxmlformats.org/presentationml/2006/main">
   <p:cmAuthor id="1" name="Jlcc" initials="J" lastIdx="2" clrIdx="0">
-    <p:extLst>
-      <p:ext uri="{19B8F6BF-5375-455C-9EA6-DF929625EA0E}">
-        <p15:presenceInfo xmlns:p15="http://schemas.microsoft.com/office/powerpoint/2012/main" userId="Jlcc" providerId="None"/>
-      </p:ext>
-    </p:extLst>
+    <p:extLst/>
   </p:cmAuthor>
 </p:cmAuthorLst>
 </file>
@@ -178,7 +174,7 @@
           <p:cNvPr id="2" name="Título 1">
             <a:extLst>
               <a:ext uri="{FF2B5EF4-FFF2-40B4-BE49-F238E27FC236}">
-                <a16:creationId xmlns:a16="http://schemas.microsoft.com/office/drawing/2014/main" id="{C1614C11-B21C-4242-9A2A-736D421E21AC}"/>
+                <a16:creationId xmlns:a16="http://schemas.microsoft.com/office/drawing/2014/main" xmlns="" id="{C1614C11-B21C-4242-9A2A-736D421E21AC}"/>
               </a:ext>
             </a:extLst>
           </p:cNvPr>
@@ -215,7 +211,7 @@
           <p:cNvPr id="3" name="Subtítulo 2">
             <a:extLst>
               <a:ext uri="{FF2B5EF4-FFF2-40B4-BE49-F238E27FC236}">
-                <a16:creationId xmlns:a16="http://schemas.microsoft.com/office/drawing/2014/main" id="{FBC636CA-74DC-4166-ACE2-75C5B39A7481}"/>
+                <a16:creationId xmlns:a16="http://schemas.microsoft.com/office/drawing/2014/main" xmlns="" id="{FBC636CA-74DC-4166-ACE2-75C5B39A7481}"/>
               </a:ext>
             </a:extLst>
           </p:cNvPr>
@@ -285,7 +281,7 @@
           <p:cNvPr id="4" name="Marcador de fecha 3">
             <a:extLst>
               <a:ext uri="{FF2B5EF4-FFF2-40B4-BE49-F238E27FC236}">
-                <a16:creationId xmlns:a16="http://schemas.microsoft.com/office/drawing/2014/main" id="{AA61E2B2-DDC9-4C07-AF80-BF391F573091}"/>
+                <a16:creationId xmlns:a16="http://schemas.microsoft.com/office/drawing/2014/main" xmlns="" id="{AA61E2B2-DDC9-4C07-AF80-BF391F573091}"/>
               </a:ext>
             </a:extLst>
           </p:cNvPr>
@@ -303,7 +299,7 @@
           <a:p>
             <a:fld id="{CF65B41C-DF71-4E4D-8C49-7775C482FF76}" type="datetimeFigureOut">
               <a:rPr lang="es-ES" smtClean="0"/>
-              <a:t>28/01/2018</a:t>
+              <a:t>1/30/18</a:t>
             </a:fld>
             <a:endParaRPr lang="es-ES"/>
           </a:p>
@@ -314,7 +310,7 @@
           <p:cNvPr id="5" name="Marcador de pie de página 4">
             <a:extLst>
               <a:ext uri="{FF2B5EF4-FFF2-40B4-BE49-F238E27FC236}">
-                <a16:creationId xmlns:a16="http://schemas.microsoft.com/office/drawing/2014/main" id="{A045E5F6-FF81-44A4-AD8F-908A35085525}"/>
+                <a16:creationId xmlns:a16="http://schemas.microsoft.com/office/drawing/2014/main" xmlns="" id="{A045E5F6-FF81-44A4-AD8F-908A35085525}"/>
               </a:ext>
             </a:extLst>
           </p:cNvPr>
@@ -339,7 +335,7 @@
           <p:cNvPr id="6" name="Marcador de número de diapositiva 5">
             <a:extLst>
               <a:ext uri="{FF2B5EF4-FFF2-40B4-BE49-F238E27FC236}">
-                <a16:creationId xmlns:a16="http://schemas.microsoft.com/office/drawing/2014/main" id="{7443EBBB-06F3-4B82-81F9-E21E312422D4}"/>
+                <a16:creationId xmlns:a16="http://schemas.microsoft.com/office/drawing/2014/main" xmlns="" id="{7443EBBB-06F3-4B82-81F9-E21E312422D4}"/>
               </a:ext>
             </a:extLst>
           </p:cNvPr>
@@ -357,7 +353,7 @@
           <a:p>
             <a:fld id="{0DC80A3B-1F50-4604-8E74-0D6B53631B27}" type="slidenum">
               <a:rPr lang="es-ES" smtClean="0"/>
-              <a:t>‹Nº›</a:t>
+              <a:t>‹#›</a:t>
             </a:fld>
             <a:endParaRPr lang="es-ES"/>
           </a:p>
@@ -398,7 +394,7 @@
           <p:cNvPr id="2" name="Título 1">
             <a:extLst>
               <a:ext uri="{FF2B5EF4-FFF2-40B4-BE49-F238E27FC236}">
-                <a16:creationId xmlns:a16="http://schemas.microsoft.com/office/drawing/2014/main" id="{486B698E-6F3F-4444-BB45-7DF400879DB5}"/>
+                <a16:creationId xmlns:a16="http://schemas.microsoft.com/office/drawing/2014/main" xmlns="" id="{486B698E-6F3F-4444-BB45-7DF400879DB5}"/>
               </a:ext>
             </a:extLst>
           </p:cNvPr>
@@ -426,7 +422,7 @@
           <p:cNvPr id="3" name="Marcador de texto vertical 2">
             <a:extLst>
               <a:ext uri="{FF2B5EF4-FFF2-40B4-BE49-F238E27FC236}">
-                <a16:creationId xmlns:a16="http://schemas.microsoft.com/office/drawing/2014/main" id="{76DC30AA-0CDA-4FBB-9DF8-445D5030FA5D}"/>
+                <a16:creationId xmlns:a16="http://schemas.microsoft.com/office/drawing/2014/main" xmlns="" id="{76DC30AA-0CDA-4FBB-9DF8-445D5030FA5D}"/>
               </a:ext>
             </a:extLst>
           </p:cNvPr>
@@ -483,7 +479,7 @@
           <p:cNvPr id="4" name="Marcador de fecha 3">
             <a:extLst>
               <a:ext uri="{FF2B5EF4-FFF2-40B4-BE49-F238E27FC236}">
-                <a16:creationId xmlns:a16="http://schemas.microsoft.com/office/drawing/2014/main" id="{04AD754D-6592-49B3-80B4-063584C012E6}"/>
+                <a16:creationId xmlns:a16="http://schemas.microsoft.com/office/drawing/2014/main" xmlns="" id="{04AD754D-6592-49B3-80B4-063584C012E6}"/>
               </a:ext>
             </a:extLst>
           </p:cNvPr>
@@ -501,7 +497,7 @@
           <a:p>
             <a:fld id="{CF65B41C-DF71-4E4D-8C49-7775C482FF76}" type="datetimeFigureOut">
               <a:rPr lang="es-ES" smtClean="0"/>
-              <a:t>28/01/2018</a:t>
+              <a:t>1/30/18</a:t>
             </a:fld>
             <a:endParaRPr lang="es-ES"/>
           </a:p>
@@ -512,7 +508,7 @@
           <p:cNvPr id="5" name="Marcador de pie de página 4">
             <a:extLst>
               <a:ext uri="{FF2B5EF4-FFF2-40B4-BE49-F238E27FC236}">
-                <a16:creationId xmlns:a16="http://schemas.microsoft.com/office/drawing/2014/main" id="{BF4E7D1E-FB0B-44D7-9B06-469AD12047D7}"/>
+                <a16:creationId xmlns:a16="http://schemas.microsoft.com/office/drawing/2014/main" xmlns="" id="{BF4E7D1E-FB0B-44D7-9B06-469AD12047D7}"/>
               </a:ext>
             </a:extLst>
           </p:cNvPr>
@@ -537,7 +533,7 @@
           <p:cNvPr id="6" name="Marcador de número de diapositiva 5">
             <a:extLst>
               <a:ext uri="{FF2B5EF4-FFF2-40B4-BE49-F238E27FC236}">
-                <a16:creationId xmlns:a16="http://schemas.microsoft.com/office/drawing/2014/main" id="{9EE83D72-F3A0-4E53-863F-04024F5B6DE2}"/>
+                <a16:creationId xmlns:a16="http://schemas.microsoft.com/office/drawing/2014/main" xmlns="" id="{9EE83D72-F3A0-4E53-863F-04024F5B6DE2}"/>
               </a:ext>
             </a:extLst>
           </p:cNvPr>
@@ -555,7 +551,7 @@
           <a:p>
             <a:fld id="{0DC80A3B-1F50-4604-8E74-0D6B53631B27}" type="slidenum">
               <a:rPr lang="es-ES" smtClean="0"/>
-              <a:t>‹Nº›</a:t>
+              <a:t>‹#›</a:t>
             </a:fld>
             <a:endParaRPr lang="es-ES"/>
           </a:p>
@@ -596,7 +592,7 @@
           <p:cNvPr id="2" name="Título vertical 1">
             <a:extLst>
               <a:ext uri="{FF2B5EF4-FFF2-40B4-BE49-F238E27FC236}">
-                <a16:creationId xmlns:a16="http://schemas.microsoft.com/office/drawing/2014/main" id="{EA3AADA7-C9EF-4973-A157-3B5996EFA191}"/>
+                <a16:creationId xmlns:a16="http://schemas.microsoft.com/office/drawing/2014/main" xmlns="" id="{EA3AADA7-C9EF-4973-A157-3B5996EFA191}"/>
               </a:ext>
             </a:extLst>
           </p:cNvPr>
@@ -629,7 +625,7 @@
           <p:cNvPr id="3" name="Marcador de texto vertical 2">
             <a:extLst>
               <a:ext uri="{FF2B5EF4-FFF2-40B4-BE49-F238E27FC236}">
-                <a16:creationId xmlns:a16="http://schemas.microsoft.com/office/drawing/2014/main" id="{031B6683-BB1C-4819-AB56-A85A9E692336}"/>
+                <a16:creationId xmlns:a16="http://schemas.microsoft.com/office/drawing/2014/main" xmlns="" id="{031B6683-BB1C-4819-AB56-A85A9E692336}"/>
               </a:ext>
             </a:extLst>
           </p:cNvPr>
@@ -691,7 +687,7 @@
           <p:cNvPr id="4" name="Marcador de fecha 3">
             <a:extLst>
               <a:ext uri="{FF2B5EF4-FFF2-40B4-BE49-F238E27FC236}">
-                <a16:creationId xmlns:a16="http://schemas.microsoft.com/office/drawing/2014/main" id="{D06F50B8-6495-404B-A845-0486C5A13D77}"/>
+                <a16:creationId xmlns:a16="http://schemas.microsoft.com/office/drawing/2014/main" xmlns="" id="{D06F50B8-6495-404B-A845-0486C5A13D77}"/>
               </a:ext>
             </a:extLst>
           </p:cNvPr>
@@ -709,7 +705,7 @@
           <a:p>
             <a:fld id="{CF65B41C-DF71-4E4D-8C49-7775C482FF76}" type="datetimeFigureOut">
               <a:rPr lang="es-ES" smtClean="0"/>
-              <a:t>28/01/2018</a:t>
+              <a:t>1/30/18</a:t>
             </a:fld>
             <a:endParaRPr lang="es-ES"/>
           </a:p>
@@ -720,7 +716,7 @@
           <p:cNvPr id="5" name="Marcador de pie de página 4">
             <a:extLst>
               <a:ext uri="{FF2B5EF4-FFF2-40B4-BE49-F238E27FC236}">
-                <a16:creationId xmlns:a16="http://schemas.microsoft.com/office/drawing/2014/main" id="{8900064A-5F93-4A38-8F77-47F5B559FDAF}"/>
+                <a16:creationId xmlns:a16="http://schemas.microsoft.com/office/drawing/2014/main" xmlns="" id="{8900064A-5F93-4A38-8F77-47F5B559FDAF}"/>
               </a:ext>
             </a:extLst>
           </p:cNvPr>
@@ -745,7 +741,7 @@
           <p:cNvPr id="6" name="Marcador de número de diapositiva 5">
             <a:extLst>
               <a:ext uri="{FF2B5EF4-FFF2-40B4-BE49-F238E27FC236}">
-                <a16:creationId xmlns:a16="http://schemas.microsoft.com/office/drawing/2014/main" id="{8B0E6A39-4F6E-49F9-B134-50F175F7C679}"/>
+                <a16:creationId xmlns:a16="http://schemas.microsoft.com/office/drawing/2014/main" xmlns="" id="{8B0E6A39-4F6E-49F9-B134-50F175F7C679}"/>
               </a:ext>
             </a:extLst>
           </p:cNvPr>
@@ -763,7 +759,7 @@
           <a:p>
             <a:fld id="{0DC80A3B-1F50-4604-8E74-0D6B53631B27}" type="slidenum">
               <a:rPr lang="es-ES" smtClean="0"/>
-              <a:t>‹Nº›</a:t>
+              <a:t>‹#›</a:t>
             </a:fld>
             <a:endParaRPr lang="es-ES"/>
           </a:p>
@@ -804,7 +800,7 @@
           <p:cNvPr id="2" name="Título 1">
             <a:extLst>
               <a:ext uri="{FF2B5EF4-FFF2-40B4-BE49-F238E27FC236}">
-                <a16:creationId xmlns:a16="http://schemas.microsoft.com/office/drawing/2014/main" id="{A5CFBD32-98B1-46F7-9758-E4E3DC695053}"/>
+                <a16:creationId xmlns:a16="http://schemas.microsoft.com/office/drawing/2014/main" xmlns="" id="{A5CFBD32-98B1-46F7-9758-E4E3DC695053}"/>
               </a:ext>
             </a:extLst>
           </p:cNvPr>
@@ -832,7 +828,7 @@
           <p:cNvPr id="3" name="Marcador de contenido 2">
             <a:extLst>
               <a:ext uri="{FF2B5EF4-FFF2-40B4-BE49-F238E27FC236}">
-                <a16:creationId xmlns:a16="http://schemas.microsoft.com/office/drawing/2014/main" id="{DDA7963B-E195-4A40-B6BD-2C96159BBAC3}"/>
+                <a16:creationId xmlns:a16="http://schemas.microsoft.com/office/drawing/2014/main" xmlns="" id="{DDA7963B-E195-4A40-B6BD-2C96159BBAC3}"/>
               </a:ext>
             </a:extLst>
           </p:cNvPr>
@@ -889,7 +885,7 @@
           <p:cNvPr id="4" name="Marcador de fecha 3">
             <a:extLst>
               <a:ext uri="{FF2B5EF4-FFF2-40B4-BE49-F238E27FC236}">
-                <a16:creationId xmlns:a16="http://schemas.microsoft.com/office/drawing/2014/main" id="{CF8B8542-9ECE-4F3B-AA4A-A292820D542C}"/>
+                <a16:creationId xmlns:a16="http://schemas.microsoft.com/office/drawing/2014/main" xmlns="" id="{CF8B8542-9ECE-4F3B-AA4A-A292820D542C}"/>
               </a:ext>
             </a:extLst>
           </p:cNvPr>
@@ -907,7 +903,7 @@
           <a:p>
             <a:fld id="{CF65B41C-DF71-4E4D-8C49-7775C482FF76}" type="datetimeFigureOut">
               <a:rPr lang="es-ES" smtClean="0"/>
-              <a:t>28/01/2018</a:t>
+              <a:t>1/30/18</a:t>
             </a:fld>
             <a:endParaRPr lang="es-ES"/>
           </a:p>
@@ -918,7 +914,7 @@
           <p:cNvPr id="5" name="Marcador de pie de página 4">
             <a:extLst>
               <a:ext uri="{FF2B5EF4-FFF2-40B4-BE49-F238E27FC236}">
-                <a16:creationId xmlns:a16="http://schemas.microsoft.com/office/drawing/2014/main" id="{E62EF718-5A57-4B1B-8BD6-8AA10EFD2428}"/>
+                <a16:creationId xmlns:a16="http://schemas.microsoft.com/office/drawing/2014/main" xmlns="" id="{E62EF718-5A57-4B1B-8BD6-8AA10EFD2428}"/>
               </a:ext>
             </a:extLst>
           </p:cNvPr>
@@ -943,7 +939,7 @@
           <p:cNvPr id="6" name="Marcador de número de diapositiva 5">
             <a:extLst>
               <a:ext uri="{FF2B5EF4-FFF2-40B4-BE49-F238E27FC236}">
-                <a16:creationId xmlns:a16="http://schemas.microsoft.com/office/drawing/2014/main" id="{CA7BE855-F24F-4454-B43A-29E14484B035}"/>
+                <a16:creationId xmlns:a16="http://schemas.microsoft.com/office/drawing/2014/main" xmlns="" id="{CA7BE855-F24F-4454-B43A-29E14484B035}"/>
               </a:ext>
             </a:extLst>
           </p:cNvPr>
@@ -961,7 +957,7 @@
           <a:p>
             <a:fld id="{0DC80A3B-1F50-4604-8E74-0D6B53631B27}" type="slidenum">
               <a:rPr lang="es-ES" smtClean="0"/>
-              <a:t>‹Nº›</a:t>
+              <a:t>‹#›</a:t>
             </a:fld>
             <a:endParaRPr lang="es-ES"/>
           </a:p>
@@ -1002,7 +998,7 @@
           <p:cNvPr id="2" name="Título 1">
             <a:extLst>
               <a:ext uri="{FF2B5EF4-FFF2-40B4-BE49-F238E27FC236}">
-                <a16:creationId xmlns:a16="http://schemas.microsoft.com/office/drawing/2014/main" id="{943459BB-EA96-4B55-9E4A-54F7554CA59A}"/>
+                <a16:creationId xmlns:a16="http://schemas.microsoft.com/office/drawing/2014/main" xmlns="" id="{943459BB-EA96-4B55-9E4A-54F7554CA59A}"/>
               </a:ext>
             </a:extLst>
           </p:cNvPr>
@@ -1039,7 +1035,7 @@
           <p:cNvPr id="3" name="Marcador de texto 2">
             <a:extLst>
               <a:ext uri="{FF2B5EF4-FFF2-40B4-BE49-F238E27FC236}">
-                <a16:creationId xmlns:a16="http://schemas.microsoft.com/office/drawing/2014/main" id="{DD5C568B-7D82-49A2-878E-5160AA963AC2}"/>
+                <a16:creationId xmlns:a16="http://schemas.microsoft.com/office/drawing/2014/main" xmlns="" id="{DD5C568B-7D82-49A2-878E-5160AA963AC2}"/>
               </a:ext>
             </a:extLst>
           </p:cNvPr>
@@ -1164,7 +1160,7 @@
           <p:cNvPr id="4" name="Marcador de fecha 3">
             <a:extLst>
               <a:ext uri="{FF2B5EF4-FFF2-40B4-BE49-F238E27FC236}">
-                <a16:creationId xmlns:a16="http://schemas.microsoft.com/office/drawing/2014/main" id="{25B489A0-2C10-4CEC-892D-DF2BA362E630}"/>
+                <a16:creationId xmlns:a16="http://schemas.microsoft.com/office/drawing/2014/main" xmlns="" id="{25B489A0-2C10-4CEC-892D-DF2BA362E630}"/>
               </a:ext>
             </a:extLst>
           </p:cNvPr>
@@ -1182,7 +1178,7 @@
           <a:p>
             <a:fld id="{CF65B41C-DF71-4E4D-8C49-7775C482FF76}" type="datetimeFigureOut">
               <a:rPr lang="es-ES" smtClean="0"/>
-              <a:t>28/01/2018</a:t>
+              <a:t>1/30/18</a:t>
             </a:fld>
             <a:endParaRPr lang="es-ES"/>
           </a:p>
@@ -1193,7 +1189,7 @@
           <p:cNvPr id="5" name="Marcador de pie de página 4">
             <a:extLst>
               <a:ext uri="{FF2B5EF4-FFF2-40B4-BE49-F238E27FC236}">
-                <a16:creationId xmlns:a16="http://schemas.microsoft.com/office/drawing/2014/main" id="{3252383E-332E-45C5-80C6-7BC5711BC904}"/>
+                <a16:creationId xmlns:a16="http://schemas.microsoft.com/office/drawing/2014/main" xmlns="" id="{3252383E-332E-45C5-80C6-7BC5711BC904}"/>
               </a:ext>
             </a:extLst>
           </p:cNvPr>
@@ -1218,7 +1214,7 @@
           <p:cNvPr id="6" name="Marcador de número de diapositiva 5">
             <a:extLst>
               <a:ext uri="{FF2B5EF4-FFF2-40B4-BE49-F238E27FC236}">
-                <a16:creationId xmlns:a16="http://schemas.microsoft.com/office/drawing/2014/main" id="{98031B06-55AA-4E35-AF9B-3BF385566B21}"/>
+                <a16:creationId xmlns:a16="http://schemas.microsoft.com/office/drawing/2014/main" xmlns="" id="{98031B06-55AA-4E35-AF9B-3BF385566B21}"/>
               </a:ext>
             </a:extLst>
           </p:cNvPr>
@@ -1236,7 +1232,7 @@
           <a:p>
             <a:fld id="{0DC80A3B-1F50-4604-8E74-0D6B53631B27}" type="slidenum">
               <a:rPr lang="es-ES" smtClean="0"/>
-              <a:t>‹Nº›</a:t>
+              <a:t>‹#›</a:t>
             </a:fld>
             <a:endParaRPr lang="es-ES"/>
           </a:p>
@@ -1277,7 +1273,7 @@
           <p:cNvPr id="2" name="Título 1">
             <a:extLst>
               <a:ext uri="{FF2B5EF4-FFF2-40B4-BE49-F238E27FC236}">
-                <a16:creationId xmlns:a16="http://schemas.microsoft.com/office/drawing/2014/main" id="{AECE8B3C-2A8A-4C8C-A59D-A7D357D67BB6}"/>
+                <a16:creationId xmlns:a16="http://schemas.microsoft.com/office/drawing/2014/main" xmlns="" id="{AECE8B3C-2A8A-4C8C-A59D-A7D357D67BB6}"/>
               </a:ext>
             </a:extLst>
           </p:cNvPr>
@@ -1305,7 +1301,7 @@
           <p:cNvPr id="3" name="Marcador de contenido 2">
             <a:extLst>
               <a:ext uri="{FF2B5EF4-FFF2-40B4-BE49-F238E27FC236}">
-                <a16:creationId xmlns:a16="http://schemas.microsoft.com/office/drawing/2014/main" id="{5968344D-2345-453A-B148-AC76ED0FB803}"/>
+                <a16:creationId xmlns:a16="http://schemas.microsoft.com/office/drawing/2014/main" xmlns="" id="{5968344D-2345-453A-B148-AC76ED0FB803}"/>
               </a:ext>
             </a:extLst>
           </p:cNvPr>
@@ -1367,7 +1363,7 @@
           <p:cNvPr id="4" name="Marcador de contenido 3">
             <a:extLst>
               <a:ext uri="{FF2B5EF4-FFF2-40B4-BE49-F238E27FC236}">
-                <a16:creationId xmlns:a16="http://schemas.microsoft.com/office/drawing/2014/main" id="{A3D9F04D-66D3-40DC-AE82-0A4DB599495F}"/>
+                <a16:creationId xmlns:a16="http://schemas.microsoft.com/office/drawing/2014/main" xmlns="" id="{A3D9F04D-66D3-40DC-AE82-0A4DB599495F}"/>
               </a:ext>
             </a:extLst>
           </p:cNvPr>
@@ -1429,7 +1425,7 @@
           <p:cNvPr id="5" name="Marcador de fecha 4">
             <a:extLst>
               <a:ext uri="{FF2B5EF4-FFF2-40B4-BE49-F238E27FC236}">
-                <a16:creationId xmlns:a16="http://schemas.microsoft.com/office/drawing/2014/main" id="{D9811964-CC88-45B8-988A-3FE5BC22F408}"/>
+                <a16:creationId xmlns:a16="http://schemas.microsoft.com/office/drawing/2014/main" xmlns="" id="{D9811964-CC88-45B8-988A-3FE5BC22F408}"/>
               </a:ext>
             </a:extLst>
           </p:cNvPr>
@@ -1447,7 +1443,7 @@
           <a:p>
             <a:fld id="{CF65B41C-DF71-4E4D-8C49-7775C482FF76}" type="datetimeFigureOut">
               <a:rPr lang="es-ES" smtClean="0"/>
-              <a:t>28/01/2018</a:t>
+              <a:t>1/30/18</a:t>
             </a:fld>
             <a:endParaRPr lang="es-ES"/>
           </a:p>
@@ -1458,7 +1454,7 @@
           <p:cNvPr id="6" name="Marcador de pie de página 5">
             <a:extLst>
               <a:ext uri="{FF2B5EF4-FFF2-40B4-BE49-F238E27FC236}">
-                <a16:creationId xmlns:a16="http://schemas.microsoft.com/office/drawing/2014/main" id="{475A5061-5899-4B49-B479-2D7CBA5408F2}"/>
+                <a16:creationId xmlns:a16="http://schemas.microsoft.com/office/drawing/2014/main" xmlns="" id="{475A5061-5899-4B49-B479-2D7CBA5408F2}"/>
               </a:ext>
             </a:extLst>
           </p:cNvPr>
@@ -1483,7 +1479,7 @@
           <p:cNvPr id="7" name="Marcador de número de diapositiva 6">
             <a:extLst>
               <a:ext uri="{FF2B5EF4-FFF2-40B4-BE49-F238E27FC236}">
-                <a16:creationId xmlns:a16="http://schemas.microsoft.com/office/drawing/2014/main" id="{75966019-26A9-4D16-8CAF-94BEC7D599AE}"/>
+                <a16:creationId xmlns:a16="http://schemas.microsoft.com/office/drawing/2014/main" xmlns="" id="{75966019-26A9-4D16-8CAF-94BEC7D599AE}"/>
               </a:ext>
             </a:extLst>
           </p:cNvPr>
@@ -1501,7 +1497,7 @@
           <a:p>
             <a:fld id="{0DC80A3B-1F50-4604-8E74-0D6B53631B27}" type="slidenum">
               <a:rPr lang="es-ES" smtClean="0"/>
-              <a:t>‹Nº›</a:t>
+              <a:t>‹#›</a:t>
             </a:fld>
             <a:endParaRPr lang="es-ES"/>
           </a:p>
@@ -1542,7 +1538,7 @@
           <p:cNvPr id="2" name="Título 1">
             <a:extLst>
               <a:ext uri="{FF2B5EF4-FFF2-40B4-BE49-F238E27FC236}">
-                <a16:creationId xmlns:a16="http://schemas.microsoft.com/office/drawing/2014/main" id="{7B8F51FA-1423-4674-8022-729F1146058B}"/>
+                <a16:creationId xmlns:a16="http://schemas.microsoft.com/office/drawing/2014/main" xmlns="" id="{7B8F51FA-1423-4674-8022-729F1146058B}"/>
               </a:ext>
             </a:extLst>
           </p:cNvPr>
@@ -1575,7 +1571,7 @@
           <p:cNvPr id="3" name="Marcador de texto 2">
             <a:extLst>
               <a:ext uri="{FF2B5EF4-FFF2-40B4-BE49-F238E27FC236}">
-                <a16:creationId xmlns:a16="http://schemas.microsoft.com/office/drawing/2014/main" id="{0966EF0D-2B5E-493E-B7F2-D2DBD0050089}"/>
+                <a16:creationId xmlns:a16="http://schemas.microsoft.com/office/drawing/2014/main" xmlns="" id="{0966EF0D-2B5E-493E-B7F2-D2DBD0050089}"/>
               </a:ext>
             </a:extLst>
           </p:cNvPr>
@@ -1646,7 +1642,7 @@
           <p:cNvPr id="4" name="Marcador de contenido 3">
             <a:extLst>
               <a:ext uri="{FF2B5EF4-FFF2-40B4-BE49-F238E27FC236}">
-                <a16:creationId xmlns:a16="http://schemas.microsoft.com/office/drawing/2014/main" id="{3A32CA03-1A40-432D-80E5-39CF739DBE80}"/>
+                <a16:creationId xmlns:a16="http://schemas.microsoft.com/office/drawing/2014/main" xmlns="" id="{3A32CA03-1A40-432D-80E5-39CF739DBE80}"/>
               </a:ext>
             </a:extLst>
           </p:cNvPr>
@@ -1708,7 +1704,7 @@
           <p:cNvPr id="5" name="Marcador de texto 4">
             <a:extLst>
               <a:ext uri="{FF2B5EF4-FFF2-40B4-BE49-F238E27FC236}">
-                <a16:creationId xmlns:a16="http://schemas.microsoft.com/office/drawing/2014/main" id="{6F5F7B92-37E8-489E-961F-6E82D6F57EBE}"/>
+                <a16:creationId xmlns:a16="http://schemas.microsoft.com/office/drawing/2014/main" xmlns="" id="{6F5F7B92-37E8-489E-961F-6E82D6F57EBE}"/>
               </a:ext>
             </a:extLst>
           </p:cNvPr>
@@ -1779,7 +1775,7 @@
           <p:cNvPr id="6" name="Marcador de contenido 5">
             <a:extLst>
               <a:ext uri="{FF2B5EF4-FFF2-40B4-BE49-F238E27FC236}">
-                <a16:creationId xmlns:a16="http://schemas.microsoft.com/office/drawing/2014/main" id="{2EA766D3-703F-49D2-A66A-73B5CEB8C455}"/>
+                <a16:creationId xmlns:a16="http://schemas.microsoft.com/office/drawing/2014/main" xmlns="" id="{2EA766D3-703F-49D2-A66A-73B5CEB8C455}"/>
               </a:ext>
             </a:extLst>
           </p:cNvPr>
@@ -1841,7 +1837,7 @@
           <p:cNvPr id="7" name="Marcador de fecha 6">
             <a:extLst>
               <a:ext uri="{FF2B5EF4-FFF2-40B4-BE49-F238E27FC236}">
-                <a16:creationId xmlns:a16="http://schemas.microsoft.com/office/drawing/2014/main" id="{5BC4F416-1B2B-445F-8231-9D3886737076}"/>
+                <a16:creationId xmlns:a16="http://schemas.microsoft.com/office/drawing/2014/main" xmlns="" id="{5BC4F416-1B2B-445F-8231-9D3886737076}"/>
               </a:ext>
             </a:extLst>
           </p:cNvPr>
@@ -1859,7 +1855,7 @@
           <a:p>
             <a:fld id="{CF65B41C-DF71-4E4D-8C49-7775C482FF76}" type="datetimeFigureOut">
               <a:rPr lang="es-ES" smtClean="0"/>
-              <a:t>28/01/2018</a:t>
+              <a:t>1/30/18</a:t>
             </a:fld>
             <a:endParaRPr lang="es-ES"/>
           </a:p>
@@ -1870,7 +1866,7 @@
           <p:cNvPr id="8" name="Marcador de pie de página 7">
             <a:extLst>
               <a:ext uri="{FF2B5EF4-FFF2-40B4-BE49-F238E27FC236}">
-                <a16:creationId xmlns:a16="http://schemas.microsoft.com/office/drawing/2014/main" id="{3BC10775-7394-4344-A9D0-A369DC4BC7A2}"/>
+                <a16:creationId xmlns:a16="http://schemas.microsoft.com/office/drawing/2014/main" xmlns="" id="{3BC10775-7394-4344-A9D0-A369DC4BC7A2}"/>
               </a:ext>
             </a:extLst>
           </p:cNvPr>
@@ -1895,7 +1891,7 @@
           <p:cNvPr id="9" name="Marcador de número de diapositiva 8">
             <a:extLst>
               <a:ext uri="{FF2B5EF4-FFF2-40B4-BE49-F238E27FC236}">
-                <a16:creationId xmlns:a16="http://schemas.microsoft.com/office/drawing/2014/main" id="{0BA7FA13-1C23-42CB-8C48-CC7D47DEC6C4}"/>
+                <a16:creationId xmlns:a16="http://schemas.microsoft.com/office/drawing/2014/main" xmlns="" id="{0BA7FA13-1C23-42CB-8C48-CC7D47DEC6C4}"/>
               </a:ext>
             </a:extLst>
           </p:cNvPr>
@@ -1913,7 +1909,7 @@
           <a:p>
             <a:fld id="{0DC80A3B-1F50-4604-8E74-0D6B53631B27}" type="slidenum">
               <a:rPr lang="es-ES" smtClean="0"/>
-              <a:t>‹Nº›</a:t>
+              <a:t>‹#›</a:t>
             </a:fld>
             <a:endParaRPr lang="es-ES"/>
           </a:p>
@@ -1954,7 +1950,7 @@
           <p:cNvPr id="2" name="Título 1">
             <a:extLst>
               <a:ext uri="{FF2B5EF4-FFF2-40B4-BE49-F238E27FC236}">
-                <a16:creationId xmlns:a16="http://schemas.microsoft.com/office/drawing/2014/main" id="{548E41BC-7F65-46C4-B05F-9A64DAE6D29C}"/>
+                <a16:creationId xmlns:a16="http://schemas.microsoft.com/office/drawing/2014/main" xmlns="" id="{548E41BC-7F65-46C4-B05F-9A64DAE6D29C}"/>
               </a:ext>
             </a:extLst>
           </p:cNvPr>
@@ -1982,7 +1978,7 @@
           <p:cNvPr id="3" name="Marcador de fecha 2">
             <a:extLst>
               <a:ext uri="{FF2B5EF4-FFF2-40B4-BE49-F238E27FC236}">
-                <a16:creationId xmlns:a16="http://schemas.microsoft.com/office/drawing/2014/main" id="{778BF6C9-D8C8-4CBC-BE84-2C3EFB5D2DDF}"/>
+                <a16:creationId xmlns:a16="http://schemas.microsoft.com/office/drawing/2014/main" xmlns="" id="{778BF6C9-D8C8-4CBC-BE84-2C3EFB5D2DDF}"/>
               </a:ext>
             </a:extLst>
           </p:cNvPr>
@@ -2000,7 +1996,7 @@
           <a:p>
             <a:fld id="{CF65B41C-DF71-4E4D-8C49-7775C482FF76}" type="datetimeFigureOut">
               <a:rPr lang="es-ES" smtClean="0"/>
-              <a:t>28/01/2018</a:t>
+              <a:t>1/30/18</a:t>
             </a:fld>
             <a:endParaRPr lang="es-ES"/>
           </a:p>
@@ -2011,7 +2007,7 @@
           <p:cNvPr id="4" name="Marcador de pie de página 3">
             <a:extLst>
               <a:ext uri="{FF2B5EF4-FFF2-40B4-BE49-F238E27FC236}">
-                <a16:creationId xmlns:a16="http://schemas.microsoft.com/office/drawing/2014/main" id="{99CE0B5C-55A5-489B-968B-46C409A69CC6}"/>
+                <a16:creationId xmlns:a16="http://schemas.microsoft.com/office/drawing/2014/main" xmlns="" id="{99CE0B5C-55A5-489B-968B-46C409A69CC6}"/>
               </a:ext>
             </a:extLst>
           </p:cNvPr>
@@ -2036,7 +2032,7 @@
           <p:cNvPr id="5" name="Marcador de número de diapositiva 4">
             <a:extLst>
               <a:ext uri="{FF2B5EF4-FFF2-40B4-BE49-F238E27FC236}">
-                <a16:creationId xmlns:a16="http://schemas.microsoft.com/office/drawing/2014/main" id="{912443B3-8443-43FC-984E-B120D24E2FFB}"/>
+                <a16:creationId xmlns:a16="http://schemas.microsoft.com/office/drawing/2014/main" xmlns="" id="{912443B3-8443-43FC-984E-B120D24E2FFB}"/>
               </a:ext>
             </a:extLst>
           </p:cNvPr>
@@ -2054,7 +2050,7 @@
           <a:p>
             <a:fld id="{0DC80A3B-1F50-4604-8E74-0D6B53631B27}" type="slidenum">
               <a:rPr lang="es-ES" smtClean="0"/>
-              <a:t>‹Nº›</a:t>
+              <a:t>‹#›</a:t>
             </a:fld>
             <a:endParaRPr lang="es-ES"/>
           </a:p>
@@ -2095,7 +2091,7 @@
           <p:cNvPr id="2" name="Marcador de fecha 1">
             <a:extLst>
               <a:ext uri="{FF2B5EF4-FFF2-40B4-BE49-F238E27FC236}">
-                <a16:creationId xmlns:a16="http://schemas.microsoft.com/office/drawing/2014/main" id="{80B6727C-434C-4C32-9232-727FE1E6ABEA}"/>
+                <a16:creationId xmlns:a16="http://schemas.microsoft.com/office/drawing/2014/main" xmlns="" id="{80B6727C-434C-4C32-9232-727FE1E6ABEA}"/>
               </a:ext>
             </a:extLst>
           </p:cNvPr>
@@ -2113,7 +2109,7 @@
           <a:p>
             <a:fld id="{CF65B41C-DF71-4E4D-8C49-7775C482FF76}" type="datetimeFigureOut">
               <a:rPr lang="es-ES" smtClean="0"/>
-              <a:t>28/01/2018</a:t>
+              <a:t>1/30/18</a:t>
             </a:fld>
             <a:endParaRPr lang="es-ES"/>
           </a:p>
@@ -2124,7 +2120,7 @@
           <p:cNvPr id="3" name="Marcador de pie de página 2">
             <a:extLst>
               <a:ext uri="{FF2B5EF4-FFF2-40B4-BE49-F238E27FC236}">
-                <a16:creationId xmlns:a16="http://schemas.microsoft.com/office/drawing/2014/main" id="{F94F84E5-2491-48FB-AF22-DAF78A9A9A2F}"/>
+                <a16:creationId xmlns:a16="http://schemas.microsoft.com/office/drawing/2014/main" xmlns="" id="{F94F84E5-2491-48FB-AF22-DAF78A9A9A2F}"/>
               </a:ext>
             </a:extLst>
           </p:cNvPr>
@@ -2149,7 +2145,7 @@
           <p:cNvPr id="4" name="Marcador de número de diapositiva 3">
             <a:extLst>
               <a:ext uri="{FF2B5EF4-FFF2-40B4-BE49-F238E27FC236}">
-                <a16:creationId xmlns:a16="http://schemas.microsoft.com/office/drawing/2014/main" id="{2892D9D9-7941-4463-AE40-54817BA41975}"/>
+                <a16:creationId xmlns:a16="http://schemas.microsoft.com/office/drawing/2014/main" xmlns="" id="{2892D9D9-7941-4463-AE40-54817BA41975}"/>
               </a:ext>
             </a:extLst>
           </p:cNvPr>
@@ -2167,7 +2163,7 @@
           <a:p>
             <a:fld id="{0DC80A3B-1F50-4604-8E74-0D6B53631B27}" type="slidenum">
               <a:rPr lang="es-ES" smtClean="0"/>
-              <a:t>‹Nº›</a:t>
+              <a:t>‹#›</a:t>
             </a:fld>
             <a:endParaRPr lang="es-ES"/>
           </a:p>
@@ -2208,7 +2204,7 @@
           <p:cNvPr id="2" name="Título 1">
             <a:extLst>
               <a:ext uri="{FF2B5EF4-FFF2-40B4-BE49-F238E27FC236}">
-                <a16:creationId xmlns:a16="http://schemas.microsoft.com/office/drawing/2014/main" id="{038BF994-23FF-40EF-BA0F-871CA3C2C061}"/>
+                <a16:creationId xmlns:a16="http://schemas.microsoft.com/office/drawing/2014/main" xmlns="" id="{038BF994-23FF-40EF-BA0F-871CA3C2C061}"/>
               </a:ext>
             </a:extLst>
           </p:cNvPr>
@@ -2245,7 +2241,7 @@
           <p:cNvPr id="3" name="Marcador de contenido 2">
             <a:extLst>
               <a:ext uri="{FF2B5EF4-FFF2-40B4-BE49-F238E27FC236}">
-                <a16:creationId xmlns:a16="http://schemas.microsoft.com/office/drawing/2014/main" id="{4DE4FDF8-3F42-43B0-9ED3-EB004EAD4ECA}"/>
+                <a16:creationId xmlns:a16="http://schemas.microsoft.com/office/drawing/2014/main" xmlns="" id="{4DE4FDF8-3F42-43B0-9ED3-EB004EAD4ECA}"/>
               </a:ext>
             </a:extLst>
           </p:cNvPr>
@@ -2335,7 +2331,7 @@
           <p:cNvPr id="4" name="Marcador de texto 3">
             <a:extLst>
               <a:ext uri="{FF2B5EF4-FFF2-40B4-BE49-F238E27FC236}">
-                <a16:creationId xmlns:a16="http://schemas.microsoft.com/office/drawing/2014/main" id="{759378A2-5380-40BF-903B-3980539D9321}"/>
+                <a16:creationId xmlns:a16="http://schemas.microsoft.com/office/drawing/2014/main" xmlns="" id="{759378A2-5380-40BF-903B-3980539D9321}"/>
               </a:ext>
             </a:extLst>
           </p:cNvPr>
@@ -2406,7 +2402,7 @@
           <p:cNvPr id="5" name="Marcador de fecha 4">
             <a:extLst>
               <a:ext uri="{FF2B5EF4-FFF2-40B4-BE49-F238E27FC236}">
-                <a16:creationId xmlns:a16="http://schemas.microsoft.com/office/drawing/2014/main" id="{1A361570-B4BD-4002-842E-2CE1EAE0574F}"/>
+                <a16:creationId xmlns:a16="http://schemas.microsoft.com/office/drawing/2014/main" xmlns="" id="{1A361570-B4BD-4002-842E-2CE1EAE0574F}"/>
               </a:ext>
             </a:extLst>
           </p:cNvPr>
@@ -2424,7 +2420,7 @@
           <a:p>
             <a:fld id="{CF65B41C-DF71-4E4D-8C49-7775C482FF76}" type="datetimeFigureOut">
               <a:rPr lang="es-ES" smtClean="0"/>
-              <a:t>28/01/2018</a:t>
+              <a:t>1/30/18</a:t>
             </a:fld>
             <a:endParaRPr lang="es-ES"/>
           </a:p>
@@ -2435,7 +2431,7 @@
           <p:cNvPr id="6" name="Marcador de pie de página 5">
             <a:extLst>
               <a:ext uri="{FF2B5EF4-FFF2-40B4-BE49-F238E27FC236}">
-                <a16:creationId xmlns:a16="http://schemas.microsoft.com/office/drawing/2014/main" id="{BA36F2F5-2F36-43A7-9315-E3B54DC0AD71}"/>
+                <a16:creationId xmlns:a16="http://schemas.microsoft.com/office/drawing/2014/main" xmlns="" id="{BA36F2F5-2F36-43A7-9315-E3B54DC0AD71}"/>
               </a:ext>
             </a:extLst>
           </p:cNvPr>
@@ -2460,7 +2456,7 @@
           <p:cNvPr id="7" name="Marcador de número de diapositiva 6">
             <a:extLst>
               <a:ext uri="{FF2B5EF4-FFF2-40B4-BE49-F238E27FC236}">
-                <a16:creationId xmlns:a16="http://schemas.microsoft.com/office/drawing/2014/main" id="{2937E811-3782-432C-90CB-7925A787CC16}"/>
+                <a16:creationId xmlns:a16="http://schemas.microsoft.com/office/drawing/2014/main" xmlns="" id="{2937E811-3782-432C-90CB-7925A787CC16}"/>
               </a:ext>
             </a:extLst>
           </p:cNvPr>
@@ -2478,7 +2474,7 @@
           <a:p>
             <a:fld id="{0DC80A3B-1F50-4604-8E74-0D6B53631B27}" type="slidenum">
               <a:rPr lang="es-ES" smtClean="0"/>
-              <a:t>‹Nº›</a:t>
+              <a:t>‹#›</a:t>
             </a:fld>
             <a:endParaRPr lang="es-ES"/>
           </a:p>
@@ -2519,7 +2515,7 @@
           <p:cNvPr id="2" name="Título 1">
             <a:extLst>
               <a:ext uri="{FF2B5EF4-FFF2-40B4-BE49-F238E27FC236}">
-                <a16:creationId xmlns:a16="http://schemas.microsoft.com/office/drawing/2014/main" id="{C67C258C-FA65-47CF-870B-3EF388DBE507}"/>
+                <a16:creationId xmlns:a16="http://schemas.microsoft.com/office/drawing/2014/main" xmlns="" id="{C67C258C-FA65-47CF-870B-3EF388DBE507}"/>
               </a:ext>
             </a:extLst>
           </p:cNvPr>
@@ -2556,7 +2552,7 @@
           <p:cNvPr id="3" name="Marcador de posición de imagen 2">
             <a:extLst>
               <a:ext uri="{FF2B5EF4-FFF2-40B4-BE49-F238E27FC236}">
-                <a16:creationId xmlns:a16="http://schemas.microsoft.com/office/drawing/2014/main" id="{E03D06E4-09CD-49F4-8F88-EEE807D8EF1F}"/>
+                <a16:creationId xmlns:a16="http://schemas.microsoft.com/office/drawing/2014/main" xmlns="" id="{E03D06E4-09CD-49F4-8F88-EEE807D8EF1F}"/>
               </a:ext>
             </a:extLst>
           </p:cNvPr>
@@ -2623,7 +2619,7 @@
           <p:cNvPr id="4" name="Marcador de texto 3">
             <a:extLst>
               <a:ext uri="{FF2B5EF4-FFF2-40B4-BE49-F238E27FC236}">
-                <a16:creationId xmlns:a16="http://schemas.microsoft.com/office/drawing/2014/main" id="{C5279812-4AD8-40D1-BA02-075ED5C2A523}"/>
+                <a16:creationId xmlns:a16="http://schemas.microsoft.com/office/drawing/2014/main" xmlns="" id="{C5279812-4AD8-40D1-BA02-075ED5C2A523}"/>
               </a:ext>
             </a:extLst>
           </p:cNvPr>
@@ -2694,7 +2690,7 @@
           <p:cNvPr id="5" name="Marcador de fecha 4">
             <a:extLst>
               <a:ext uri="{FF2B5EF4-FFF2-40B4-BE49-F238E27FC236}">
-                <a16:creationId xmlns:a16="http://schemas.microsoft.com/office/drawing/2014/main" id="{7AAC640E-77D2-4CCE-992A-0A273DB2C596}"/>
+                <a16:creationId xmlns:a16="http://schemas.microsoft.com/office/drawing/2014/main" xmlns="" id="{7AAC640E-77D2-4CCE-992A-0A273DB2C596}"/>
               </a:ext>
             </a:extLst>
           </p:cNvPr>
@@ -2712,7 +2708,7 @@
           <a:p>
             <a:fld id="{CF65B41C-DF71-4E4D-8C49-7775C482FF76}" type="datetimeFigureOut">
               <a:rPr lang="es-ES" smtClean="0"/>
-              <a:t>28/01/2018</a:t>
+              <a:t>1/30/18</a:t>
             </a:fld>
             <a:endParaRPr lang="es-ES"/>
           </a:p>
@@ -2723,7 +2719,7 @@
           <p:cNvPr id="6" name="Marcador de pie de página 5">
             <a:extLst>
               <a:ext uri="{FF2B5EF4-FFF2-40B4-BE49-F238E27FC236}">
-                <a16:creationId xmlns:a16="http://schemas.microsoft.com/office/drawing/2014/main" id="{4CB6508B-84F0-4619-94B6-B93164E6CFD7}"/>
+                <a16:creationId xmlns:a16="http://schemas.microsoft.com/office/drawing/2014/main" xmlns="" id="{4CB6508B-84F0-4619-94B6-B93164E6CFD7}"/>
               </a:ext>
             </a:extLst>
           </p:cNvPr>
@@ -2748,7 +2744,7 @@
           <p:cNvPr id="7" name="Marcador de número de diapositiva 6">
             <a:extLst>
               <a:ext uri="{FF2B5EF4-FFF2-40B4-BE49-F238E27FC236}">
-                <a16:creationId xmlns:a16="http://schemas.microsoft.com/office/drawing/2014/main" id="{3DDBA345-556C-4464-9470-A1CFAA89A493}"/>
+                <a16:creationId xmlns:a16="http://schemas.microsoft.com/office/drawing/2014/main" xmlns="" id="{3DDBA345-556C-4464-9470-A1CFAA89A493}"/>
               </a:ext>
             </a:extLst>
           </p:cNvPr>
@@ -2766,7 +2762,7 @@
           <a:p>
             <a:fld id="{0DC80A3B-1F50-4604-8E74-0D6B53631B27}" type="slidenum">
               <a:rPr lang="es-ES" smtClean="0"/>
-              <a:t>‹Nº›</a:t>
+              <a:t>‹#›</a:t>
             </a:fld>
             <a:endParaRPr lang="es-ES"/>
           </a:p>
@@ -2812,7 +2808,7 @@
           <p:cNvPr id="2" name="Marcador de título 1">
             <a:extLst>
               <a:ext uri="{FF2B5EF4-FFF2-40B4-BE49-F238E27FC236}">
-                <a16:creationId xmlns:a16="http://schemas.microsoft.com/office/drawing/2014/main" id="{D29B908E-8A06-45FA-AE86-7FDA66C5B787}"/>
+                <a16:creationId xmlns:a16="http://schemas.microsoft.com/office/drawing/2014/main" xmlns="" id="{D29B908E-8A06-45FA-AE86-7FDA66C5B787}"/>
               </a:ext>
             </a:extLst>
           </p:cNvPr>
@@ -2850,7 +2846,7 @@
           <p:cNvPr id="3" name="Marcador de texto 2">
             <a:extLst>
               <a:ext uri="{FF2B5EF4-FFF2-40B4-BE49-F238E27FC236}">
-                <a16:creationId xmlns:a16="http://schemas.microsoft.com/office/drawing/2014/main" id="{81464BEA-6AD8-4254-9900-6BD6F54BA918}"/>
+                <a16:creationId xmlns:a16="http://schemas.microsoft.com/office/drawing/2014/main" xmlns="" id="{81464BEA-6AD8-4254-9900-6BD6F54BA918}"/>
               </a:ext>
             </a:extLst>
           </p:cNvPr>
@@ -2917,7 +2913,7 @@
           <p:cNvPr id="4" name="Marcador de fecha 3">
             <a:extLst>
               <a:ext uri="{FF2B5EF4-FFF2-40B4-BE49-F238E27FC236}">
-                <a16:creationId xmlns:a16="http://schemas.microsoft.com/office/drawing/2014/main" id="{D1A555E3-3805-4082-B6F8-E2411E389B48}"/>
+                <a16:creationId xmlns:a16="http://schemas.microsoft.com/office/drawing/2014/main" xmlns="" id="{D1A555E3-3805-4082-B6F8-E2411E389B48}"/>
               </a:ext>
             </a:extLst>
           </p:cNvPr>
@@ -2953,7 +2949,7 @@
           <a:p>
             <a:fld id="{CF65B41C-DF71-4E4D-8C49-7775C482FF76}" type="datetimeFigureOut">
               <a:rPr lang="es-ES" smtClean="0"/>
-              <a:t>28/01/2018</a:t>
+              <a:t>1/30/18</a:t>
             </a:fld>
             <a:endParaRPr lang="es-ES"/>
           </a:p>
@@ -2964,7 +2960,7 @@
           <p:cNvPr id="5" name="Marcador de pie de página 4">
             <a:extLst>
               <a:ext uri="{FF2B5EF4-FFF2-40B4-BE49-F238E27FC236}">
-                <a16:creationId xmlns:a16="http://schemas.microsoft.com/office/drawing/2014/main" id="{1AA02B6C-CAA2-404B-B01B-792435274CB8}"/>
+                <a16:creationId xmlns:a16="http://schemas.microsoft.com/office/drawing/2014/main" xmlns="" id="{1AA02B6C-CAA2-404B-B01B-792435274CB8}"/>
               </a:ext>
             </a:extLst>
           </p:cNvPr>
@@ -3007,7 +3003,7 @@
           <p:cNvPr id="6" name="Marcador de número de diapositiva 5">
             <a:extLst>
               <a:ext uri="{FF2B5EF4-FFF2-40B4-BE49-F238E27FC236}">
-                <a16:creationId xmlns:a16="http://schemas.microsoft.com/office/drawing/2014/main" id="{845B2F4B-643F-463B-8D9E-72C748977F23}"/>
+                <a16:creationId xmlns:a16="http://schemas.microsoft.com/office/drawing/2014/main" xmlns="" id="{845B2F4B-643F-463B-8D9E-72C748977F23}"/>
               </a:ext>
             </a:extLst>
           </p:cNvPr>
@@ -3043,7 +3039,7 @@
           <a:p>
             <a:fld id="{0DC80A3B-1F50-4604-8E74-0D6B53631B27}" type="slidenum">
               <a:rPr lang="es-ES" smtClean="0"/>
-              <a:t>‹Nº›</a:t>
+              <a:t>‹#›</a:t>
             </a:fld>
             <a:endParaRPr lang="es-ES"/>
           </a:p>
@@ -3375,7 +3371,7 @@
           <p:cNvPr id="2" name="Título 1">
             <a:extLst>
               <a:ext uri="{FF2B5EF4-FFF2-40B4-BE49-F238E27FC236}">
-                <a16:creationId xmlns:a16="http://schemas.microsoft.com/office/drawing/2014/main" id="{357D16BA-3D2C-4CCD-9EE3-5D656C374152}"/>
+                <a16:creationId xmlns:a16="http://schemas.microsoft.com/office/drawing/2014/main" xmlns="" id="{357D16BA-3D2C-4CCD-9EE3-5D656C374152}"/>
               </a:ext>
             </a:extLst>
           </p:cNvPr>
@@ -3942,7 +3938,7 @@
           <p:cNvPr id="2" name="Título 1">
             <a:extLst>
               <a:ext uri="{FF2B5EF4-FFF2-40B4-BE49-F238E27FC236}">
-                <a16:creationId xmlns:a16="http://schemas.microsoft.com/office/drawing/2014/main" id="{926C6547-DFDE-4A36-B51C-6A25578F73EE}"/>
+                <a16:creationId xmlns:a16="http://schemas.microsoft.com/office/drawing/2014/main" xmlns="" id="{926C6547-DFDE-4A36-B51C-6A25578F73EE}"/>
               </a:ext>
             </a:extLst>
           </p:cNvPr>
@@ -3955,8 +3951,8 @@
         </p:nvSpPr>
         <p:spPr>
           <a:xfrm>
-            <a:off x="838200" y="128562"/>
-            <a:ext cx="10515600" cy="1095376"/>
+            <a:off x="838200" y="92606"/>
+            <a:ext cx="10515600" cy="959341"/>
           </a:xfrm>
         </p:spPr>
         <p:txBody>
@@ -4022,7 +4018,7 @@
           <p:cNvPr id="4" name="Marcador de contenido 2">
             <a:extLst>
               <a:ext uri="{FF2B5EF4-FFF2-40B4-BE49-F238E27FC236}">
-                <a16:creationId xmlns:a16="http://schemas.microsoft.com/office/drawing/2014/main" id="{AF4478E6-8220-44D5-ACCE-D55AB1734B9B}"/>
+                <a16:creationId xmlns:a16="http://schemas.microsoft.com/office/drawing/2014/main" xmlns="" id="{AF4478E6-8220-44D5-ACCE-D55AB1734B9B}"/>
               </a:ext>
             </a:extLst>
           </p:cNvPr>
@@ -4271,7 +4267,7 @@
           <p:cNvPr id="12" name="Marcador de contenido 11">
             <a:extLst>
               <a:ext uri="{FF2B5EF4-FFF2-40B4-BE49-F238E27FC236}">
-                <a16:creationId xmlns:a16="http://schemas.microsoft.com/office/drawing/2014/main" id="{2BAC7791-CBB3-41A8-9A1E-B72776D50FD3}"/>
+                <a16:creationId xmlns:a16="http://schemas.microsoft.com/office/drawing/2014/main" xmlns="" id="{2BAC7791-CBB3-41A8-9A1E-B72776D50FD3}"/>
               </a:ext>
             </a:extLst>
           </p:cNvPr>
@@ -4296,7 +4292,7 @@
         </p:blipFill>
         <p:spPr>
           <a:xfrm>
-            <a:off x="394700" y="1277383"/>
+            <a:off x="394700" y="1012783"/>
             <a:ext cx="5770252" cy="4351338"/>
           </a:xfrm>
         </p:spPr>
@@ -4306,7 +4302,7 @@
           <p:cNvPr id="16" name="Imagen 15">
             <a:extLst>
               <a:ext uri="{FF2B5EF4-FFF2-40B4-BE49-F238E27FC236}">
-                <a16:creationId xmlns:a16="http://schemas.microsoft.com/office/drawing/2014/main" id="{0A84C263-C827-4BA9-9AF8-35BC8AEA869D}"/>
+                <a16:creationId xmlns:a16="http://schemas.microsoft.com/office/drawing/2014/main" xmlns="" id="{0A84C263-C827-4BA9-9AF8-35BC8AEA869D}"/>
               </a:ext>
             </a:extLst>
           </p:cNvPr>
@@ -4329,7 +4325,7 @@
         </p:blipFill>
         <p:spPr>
           <a:xfrm>
-            <a:off x="6361825" y="1250545"/>
+            <a:off x="6361825" y="1078555"/>
             <a:ext cx="5810250" cy="3952875"/>
           </a:xfrm>
           <a:prstGeom prst="rect">
@@ -4342,7 +4338,7 @@
           <p:cNvPr id="17" name="Título 1">
             <a:extLst>
               <a:ext uri="{FF2B5EF4-FFF2-40B4-BE49-F238E27FC236}">
-                <a16:creationId xmlns:a16="http://schemas.microsoft.com/office/drawing/2014/main" id="{4E74AFB0-3A70-461F-8961-40E63C1F7EAE}"/>
+                <a16:creationId xmlns:a16="http://schemas.microsoft.com/office/drawing/2014/main" xmlns="" id="{4E74AFB0-3A70-461F-8961-40E63C1F7EAE}"/>
               </a:ext>
             </a:extLst>
           </p:cNvPr>
@@ -4353,8 +4349,8 @@
         </p:nvSpPr>
         <p:spPr>
           <a:xfrm>
-            <a:off x="394700" y="5993009"/>
-            <a:ext cx="10538637" cy="651713"/>
+            <a:off x="394700" y="5728505"/>
+            <a:ext cx="10538637" cy="916216"/>
           </a:xfrm>
           <a:prstGeom prst="rect">
             <a:avLst/>
@@ -4362,7 +4358,7 @@
         </p:spPr>
         <p:txBody>
           <a:bodyPr vert="horz" lIns="91440" tIns="45720" rIns="91440" bIns="45720" rtlCol="0" anchor="ctr">
-            <a:normAutofit fontScale="92500" lnSpcReduction="10000"/>
+            <a:normAutofit fontScale="77500" lnSpcReduction="20000"/>
           </a:bodyPr>
           <a:lstStyle>
             <a:lvl1pPr algn="l" defTabSz="914400" rtl="0" eaLnBrk="1" latinLnBrk="0" hangingPunct="1">
@@ -4437,8 +4433,50 @@
               <a:t>terraform destroy</a:t>
             </a:r>
             <a:r>
+              <a:rPr lang="en-US" sz="2300" dirty="0" smtClean="0"/>
+              <a:t>.</a:t>
+            </a:r>
+          </a:p>
+          <a:p>
+            <a:r>
               <a:rPr lang="en-US" sz="2300" dirty="0"/>
-              <a:t>.</a:t>
+              <a:t>You may have </a:t>
+            </a:r>
+            <a:r>
+              <a:rPr lang="en-US" sz="2300" dirty="0" smtClean="0"/>
+              <a:t>to retry </a:t>
+            </a:r>
+            <a:r>
+              <a:rPr lang="en-US" sz="2300" dirty="0"/>
+              <a:t>the HTTP request several times, </a:t>
+            </a:r>
+            <a:r>
+              <a:rPr lang="en-US" sz="2300" dirty="0" smtClean="0"/>
+              <a:t>because </a:t>
+            </a:r>
+            <a:r>
+              <a:rPr lang="en-US" sz="2300" dirty="0"/>
+              <a:t>the EC2 </a:t>
+            </a:r>
+            <a:r>
+              <a:rPr lang="en-US" sz="2300" dirty="0" smtClean="0"/>
+              <a:t>Instance </a:t>
+            </a:r>
+            <a:r>
+              <a:rPr lang="en-US" sz="2300" dirty="0"/>
+              <a:t>may take a minute </a:t>
+            </a:r>
+            <a:r>
+              <a:rPr lang="en-US" sz="2300" dirty="0" smtClean="0"/>
+              <a:t>or two </a:t>
+            </a:r>
+            <a:r>
+              <a:rPr lang="en-US" sz="2300" dirty="0"/>
+              <a:t>to </a:t>
+            </a:r>
+            <a:r>
+              <a:rPr lang="en-US" sz="2300" dirty="0" smtClean="0"/>
+              <a:t>start up.</a:t>
             </a:r>
             <a:endParaRPr lang="es-ES" sz="2300" dirty="0"/>
           </a:p>
@@ -4483,7 +4521,7 @@
           <p:cNvPr id="18" name="Marcador de contenido 17">
             <a:extLst>
               <a:ext uri="{FF2B5EF4-FFF2-40B4-BE49-F238E27FC236}">
-                <a16:creationId xmlns:a16="http://schemas.microsoft.com/office/drawing/2014/main" id="{2B14B653-A874-407A-8102-DA6230C3110C}"/>
+                <a16:creationId xmlns:a16="http://schemas.microsoft.com/office/drawing/2014/main" xmlns="" id="{2B14B653-A874-407A-8102-DA6230C3110C}"/>
               </a:ext>
             </a:extLst>
           </p:cNvPr>
@@ -4518,7 +4556,7 @@
           <p:cNvPr id="19" name="CuadroTexto 18">
             <a:extLst>
               <a:ext uri="{FF2B5EF4-FFF2-40B4-BE49-F238E27FC236}">
-                <a16:creationId xmlns:a16="http://schemas.microsoft.com/office/drawing/2014/main" id="{E301D3C5-4300-455A-A460-908881F95EC1}"/>
+                <a16:creationId xmlns:a16="http://schemas.microsoft.com/office/drawing/2014/main" xmlns="" id="{E301D3C5-4300-455A-A460-908881F95EC1}"/>
               </a:ext>
             </a:extLst>
           </p:cNvPr>
@@ -4740,7 +4778,7 @@
           <p:cNvPr id="2" name="Título 1">
             <a:extLst>
               <a:ext uri="{FF2B5EF4-FFF2-40B4-BE49-F238E27FC236}">
-                <a16:creationId xmlns:a16="http://schemas.microsoft.com/office/drawing/2014/main" id="{0616DFA2-7EBD-43D9-B377-3EAC46AE60A6}"/>
+                <a16:creationId xmlns:a16="http://schemas.microsoft.com/office/drawing/2014/main" xmlns="" id="{0616DFA2-7EBD-43D9-B377-3EAC46AE60A6}"/>
               </a:ext>
             </a:extLst>
           </p:cNvPr>
@@ -4765,7 +4803,7 @@
           <p:cNvPr id="3" name="Marcador de contenido 2">
             <a:extLst>
               <a:ext uri="{FF2B5EF4-FFF2-40B4-BE49-F238E27FC236}">
-                <a16:creationId xmlns:a16="http://schemas.microsoft.com/office/drawing/2014/main" id="{F7C49A22-A1CA-4782-AE49-8D3E933BDE75}"/>
+                <a16:creationId xmlns:a16="http://schemas.microsoft.com/office/drawing/2014/main" xmlns="" id="{F7C49A22-A1CA-4782-AE49-8D3E933BDE75}"/>
               </a:ext>
             </a:extLst>
           </p:cNvPr>
@@ -5647,7 +5685,7 @@
           <p:cNvPr id="2" name="Título 1">
             <a:extLst>
               <a:ext uri="{FF2B5EF4-FFF2-40B4-BE49-F238E27FC236}">
-                <a16:creationId xmlns:a16="http://schemas.microsoft.com/office/drawing/2014/main" id="{D5C095A9-C7A2-4465-BA8B-D5FC528C4514}"/>
+                <a16:creationId xmlns:a16="http://schemas.microsoft.com/office/drawing/2014/main" xmlns="" id="{D5C095A9-C7A2-4465-BA8B-D5FC528C4514}"/>
               </a:ext>
             </a:extLst>
           </p:cNvPr>
@@ -5696,7 +5734,7 @@
           <p:cNvPr id="3" name="Marcador de contenido 2">
             <a:extLst>
               <a:ext uri="{FF2B5EF4-FFF2-40B4-BE49-F238E27FC236}">
-                <a16:creationId xmlns:a16="http://schemas.microsoft.com/office/drawing/2014/main" id="{040D3805-CDF2-4B71-993C-DF9CA2221FAD}"/>
+                <a16:creationId xmlns:a16="http://schemas.microsoft.com/office/drawing/2014/main" xmlns="" id="{040D3805-CDF2-4B71-993C-DF9CA2221FAD}"/>
               </a:ext>
             </a:extLst>
           </p:cNvPr>
@@ -8319,7 +8357,7 @@
           <p:cNvPr id="2" name="Título 1">
             <a:extLst>
               <a:ext uri="{FF2B5EF4-FFF2-40B4-BE49-F238E27FC236}">
-                <a16:creationId xmlns:a16="http://schemas.microsoft.com/office/drawing/2014/main" id="{D2E05DA4-F097-4731-B097-9A8D92491C6A}"/>
+                <a16:creationId xmlns:a16="http://schemas.microsoft.com/office/drawing/2014/main" xmlns="" id="{D2E05DA4-F097-4731-B097-9A8D92491C6A}"/>
               </a:ext>
             </a:extLst>
           </p:cNvPr>
@@ -8376,7 +8414,7 @@
           <p:cNvPr id="3" name="Marcador de contenido 2">
             <a:extLst>
               <a:ext uri="{FF2B5EF4-FFF2-40B4-BE49-F238E27FC236}">
-                <a16:creationId xmlns:a16="http://schemas.microsoft.com/office/drawing/2014/main" id="{72058AC2-F6B1-4366-BEE1-37D5B127EA0F}"/>
+                <a16:creationId xmlns:a16="http://schemas.microsoft.com/office/drawing/2014/main" xmlns="" id="{72058AC2-F6B1-4366-BEE1-37D5B127EA0F}"/>
               </a:ext>
             </a:extLst>
           </p:cNvPr>
@@ -8828,7 +8866,7 @@
           <p:cNvPr id="13" name="Imagen 12">
             <a:extLst>
               <a:ext uri="{FF2B5EF4-FFF2-40B4-BE49-F238E27FC236}">
-                <a16:creationId xmlns:a16="http://schemas.microsoft.com/office/drawing/2014/main" id="{0A306B54-43DD-44FF-846D-43C96667AA38}"/>
+                <a16:creationId xmlns:a16="http://schemas.microsoft.com/office/drawing/2014/main" xmlns="" id="{0A306B54-43DD-44FF-846D-43C96667AA38}"/>
               </a:ext>
             </a:extLst>
           </p:cNvPr>
@@ -8864,7 +8902,7 @@
           <p:cNvPr id="15" name="Imagen 14">
             <a:extLst>
               <a:ext uri="{FF2B5EF4-FFF2-40B4-BE49-F238E27FC236}">
-                <a16:creationId xmlns:a16="http://schemas.microsoft.com/office/drawing/2014/main" id="{5FA48F48-38B4-4A14-99F9-3961768AB9BF}"/>
+                <a16:creationId xmlns:a16="http://schemas.microsoft.com/office/drawing/2014/main" xmlns="" id="{5FA48F48-38B4-4A14-99F9-3961768AB9BF}"/>
               </a:ext>
             </a:extLst>
           </p:cNvPr>
@@ -8900,7 +8938,7 @@
           <p:cNvPr id="17" name="Imagen 16">
             <a:extLst>
               <a:ext uri="{FF2B5EF4-FFF2-40B4-BE49-F238E27FC236}">
-                <a16:creationId xmlns:a16="http://schemas.microsoft.com/office/drawing/2014/main" id="{24122695-5339-471F-9489-DD7F5E838A16}"/>
+                <a16:creationId xmlns:a16="http://schemas.microsoft.com/office/drawing/2014/main" xmlns="" id="{24122695-5339-471F-9489-DD7F5E838A16}"/>
               </a:ext>
             </a:extLst>
           </p:cNvPr>
@@ -9404,7 +9442,7 @@
           <p:cNvPr id="5" name="Imagen 4">
             <a:extLst>
               <a:ext uri="{FF2B5EF4-FFF2-40B4-BE49-F238E27FC236}">
-                <a16:creationId xmlns:a16="http://schemas.microsoft.com/office/drawing/2014/main" id="{52B01537-6829-442C-A870-DB4FB74EDC62}"/>
+                <a16:creationId xmlns:a16="http://schemas.microsoft.com/office/drawing/2014/main" xmlns="" id="{52B01537-6829-442C-A870-DB4FB74EDC62}"/>
               </a:ext>
             </a:extLst>
           </p:cNvPr>
@@ -9440,7 +9478,7 @@
           <p:cNvPr id="7" name="Imagen 6">
             <a:extLst>
               <a:ext uri="{FF2B5EF4-FFF2-40B4-BE49-F238E27FC236}">
-                <a16:creationId xmlns:a16="http://schemas.microsoft.com/office/drawing/2014/main" id="{5E46C809-84B0-47DF-980A-8E44243DA754}"/>
+                <a16:creationId xmlns:a16="http://schemas.microsoft.com/office/drawing/2014/main" xmlns="" id="{5E46C809-84B0-47DF-980A-8E44243DA754}"/>
               </a:ext>
             </a:extLst>
           </p:cNvPr>
@@ -9476,7 +9514,7 @@
           <p:cNvPr id="9" name="Imagen 8">
             <a:extLst>
               <a:ext uri="{FF2B5EF4-FFF2-40B4-BE49-F238E27FC236}">
-                <a16:creationId xmlns:a16="http://schemas.microsoft.com/office/drawing/2014/main" id="{0F4678CB-0054-4018-BC0A-39EEFCEBAC04}"/>
+                <a16:creationId xmlns:a16="http://schemas.microsoft.com/office/drawing/2014/main" xmlns="" id="{0F4678CB-0054-4018-BC0A-39EEFCEBAC04}"/>
               </a:ext>
             </a:extLst>
           </p:cNvPr>
@@ -9809,7 +9847,7 @@
   <a:extraClrSchemeLst/>
   <a:extLst>
     <a:ext uri="{05A4C25C-085E-4340-85A3-A5531E510DB2}">
-      <thm15:themeFamily xmlns:thm15="http://schemas.microsoft.com/office/thememl/2012/main" name="Office Theme" id="{62F939B6-93AF-4DB8-9C6B-D6C7DFDC589F}" vid="{4A3C46E8-61CC-4603-A589-7422A47A8E4A}"/>
+      <thm15:themeFamily xmlns:thm15="http://schemas.microsoft.com/office/thememl/2012/main" xmlns="" name="Office Theme" id="{62F939B6-93AF-4DB8-9C6B-D6C7DFDC589F}" vid="{4A3C46E8-61CC-4603-A589-7422A47A8E4A}"/>
     </a:ext>
   </a:extLst>
 </a:theme>
